--- a/ppt 16-9/1076.主是我牧.pptx
+++ b/ppt 16-9/1076.主是我牧.pptx
@@ -5,7 +5,7 @@
     <p:sldMasterId id="2147483648" r:id="rId1"/>
   </p:sldMasterIdLst>
   <p:sldIdLst>
-    <p:sldId id="527" r:id="rId2"/>
+    <p:sldId id="528" r:id="rId2"/>
   </p:sldIdLst>
   <p:sldSz cx="12192000" cy="6858000"/>
   <p:notesSz cx="6858000" cy="9144000"/>
@@ -129,7 +129,7 @@
           <p:cNvPr id="2" name="标题 1">
             <a:extLst>
               <a:ext uri="{FF2B5EF4-FFF2-40B4-BE49-F238E27FC236}">
-                <a16:creationId xmlns:a16="http://schemas.microsoft.com/office/drawing/2014/main" id="{4F699F3D-A8AD-60F1-D67E-32A0EEEDCE29}"/>
+                <a16:creationId xmlns:a16="http://schemas.microsoft.com/office/drawing/2014/main" id="{1EC67DDB-B7FD-37F9-3114-5F256365D833}"/>
               </a:ext>
             </a:extLst>
           </p:cNvPr>
@@ -166,7 +166,7 @@
           <p:cNvPr id="3" name="副标题 2">
             <a:extLst>
               <a:ext uri="{FF2B5EF4-FFF2-40B4-BE49-F238E27FC236}">
-                <a16:creationId xmlns:a16="http://schemas.microsoft.com/office/drawing/2014/main" id="{88C14290-A5EC-1893-78FD-E33FC4247A9B}"/>
+                <a16:creationId xmlns:a16="http://schemas.microsoft.com/office/drawing/2014/main" id="{494A9EF4-B682-65DC-CA4E-6C3053E0C540}"/>
               </a:ext>
             </a:extLst>
           </p:cNvPr>
@@ -236,7 +236,7 @@
           <p:cNvPr id="4" name="日期占位符 3">
             <a:extLst>
               <a:ext uri="{FF2B5EF4-FFF2-40B4-BE49-F238E27FC236}">
-                <a16:creationId xmlns:a16="http://schemas.microsoft.com/office/drawing/2014/main" id="{61479546-86D8-7872-BD94-F3F82A9F7098}"/>
+                <a16:creationId xmlns:a16="http://schemas.microsoft.com/office/drawing/2014/main" id="{966FAE58-0272-DCD3-7483-9B6AAF61BCB3}"/>
               </a:ext>
             </a:extLst>
           </p:cNvPr>
@@ -252,7 +252,7 @@
           <a:bodyPr/>
           <a:lstStyle/>
           <a:p>
-            <a:fld id="{BB680713-C345-42BD-81C3-4A1346BDD966}" type="datetimeFigureOut">
+            <a:fld id="{8D807C3C-0532-4F49-8028-9234D731D70F}" type="datetimeFigureOut">
               <a:rPr lang="zh-CN" altLang="en-US" smtClean="0"/>
               <a:t>2024/3/10</a:t>
             </a:fld>
@@ -265,7 +265,7 @@
           <p:cNvPr id="5" name="页脚占位符 4">
             <a:extLst>
               <a:ext uri="{FF2B5EF4-FFF2-40B4-BE49-F238E27FC236}">
-                <a16:creationId xmlns:a16="http://schemas.microsoft.com/office/drawing/2014/main" id="{647924BB-A292-1248-2059-097BE948817A}"/>
+                <a16:creationId xmlns:a16="http://schemas.microsoft.com/office/drawing/2014/main" id="{4C9E58C5-5384-8C28-2B83-748F2BECC8AD}"/>
               </a:ext>
             </a:extLst>
           </p:cNvPr>
@@ -290,7 +290,7 @@
           <p:cNvPr id="6" name="灯片编号占位符 5">
             <a:extLst>
               <a:ext uri="{FF2B5EF4-FFF2-40B4-BE49-F238E27FC236}">
-                <a16:creationId xmlns:a16="http://schemas.microsoft.com/office/drawing/2014/main" id="{812AC81D-2DC5-27A6-25EB-A3CFBCD8D6A6}"/>
+                <a16:creationId xmlns:a16="http://schemas.microsoft.com/office/drawing/2014/main" id="{F2BBBAC5-EA36-71AC-7D6E-AB75F954C99A}"/>
               </a:ext>
             </a:extLst>
           </p:cNvPr>
@@ -306,7 +306,7 @@
           <a:bodyPr/>
           <a:lstStyle/>
           <a:p>
-            <a:fld id="{E0A65661-2582-4B08-8BAB-2B4E2690E052}" type="slidenum">
+            <a:fld id="{0BFA254C-3964-4C58-A54A-D373F129254E}" type="slidenum">
               <a:rPr lang="zh-CN" altLang="en-US" smtClean="0"/>
               <a:t>‹#›</a:t>
             </a:fld>
@@ -317,7 +317,7 @@
     </p:spTree>
     <p:extLst>
       <p:ext uri="{BB962C8B-B14F-4D97-AF65-F5344CB8AC3E}">
-        <p14:creationId xmlns:p14="http://schemas.microsoft.com/office/powerpoint/2010/main" val="1624806560"/>
+        <p14:creationId xmlns:p14="http://schemas.microsoft.com/office/powerpoint/2010/main" val="2505543691"/>
       </p:ext>
     </p:extLst>
   </p:cSld>
@@ -349,7 +349,7 @@
           <p:cNvPr id="2" name="标题 1">
             <a:extLst>
               <a:ext uri="{FF2B5EF4-FFF2-40B4-BE49-F238E27FC236}">
-                <a16:creationId xmlns:a16="http://schemas.microsoft.com/office/drawing/2014/main" id="{2EDA6856-032C-83AC-C4BA-C5FB1139FC85}"/>
+                <a16:creationId xmlns:a16="http://schemas.microsoft.com/office/drawing/2014/main" id="{0040FC78-010A-B650-565D-52802720129A}"/>
               </a:ext>
             </a:extLst>
           </p:cNvPr>
@@ -377,7 +377,7 @@
           <p:cNvPr id="3" name="竖排文字占位符 2">
             <a:extLst>
               <a:ext uri="{FF2B5EF4-FFF2-40B4-BE49-F238E27FC236}">
-                <a16:creationId xmlns:a16="http://schemas.microsoft.com/office/drawing/2014/main" id="{7AC08E98-72EA-2186-F186-6595FE976FDB}"/>
+                <a16:creationId xmlns:a16="http://schemas.microsoft.com/office/drawing/2014/main" id="{DC30E904-FF80-06A5-86D0-795FE6816961}"/>
               </a:ext>
             </a:extLst>
           </p:cNvPr>
@@ -434,7 +434,7 @@
           <p:cNvPr id="4" name="日期占位符 3">
             <a:extLst>
               <a:ext uri="{FF2B5EF4-FFF2-40B4-BE49-F238E27FC236}">
-                <a16:creationId xmlns:a16="http://schemas.microsoft.com/office/drawing/2014/main" id="{0125D76F-94CF-53DE-DC28-B5459B3AC3F9}"/>
+                <a16:creationId xmlns:a16="http://schemas.microsoft.com/office/drawing/2014/main" id="{10F77DF0-7640-B72C-7C29-2681ED4B2589}"/>
               </a:ext>
             </a:extLst>
           </p:cNvPr>
@@ -450,7 +450,7 @@
           <a:bodyPr/>
           <a:lstStyle/>
           <a:p>
-            <a:fld id="{BB680713-C345-42BD-81C3-4A1346BDD966}" type="datetimeFigureOut">
+            <a:fld id="{8D807C3C-0532-4F49-8028-9234D731D70F}" type="datetimeFigureOut">
               <a:rPr lang="zh-CN" altLang="en-US" smtClean="0"/>
               <a:t>2024/3/10</a:t>
             </a:fld>
@@ -463,7 +463,7 @@
           <p:cNvPr id="5" name="页脚占位符 4">
             <a:extLst>
               <a:ext uri="{FF2B5EF4-FFF2-40B4-BE49-F238E27FC236}">
-                <a16:creationId xmlns:a16="http://schemas.microsoft.com/office/drawing/2014/main" id="{49049753-B7A6-6660-4F99-14574A1D4944}"/>
+                <a16:creationId xmlns:a16="http://schemas.microsoft.com/office/drawing/2014/main" id="{62DC4AB9-35D3-A4D9-A50D-91542BF122D9}"/>
               </a:ext>
             </a:extLst>
           </p:cNvPr>
@@ -488,7 +488,7 @@
           <p:cNvPr id="6" name="灯片编号占位符 5">
             <a:extLst>
               <a:ext uri="{FF2B5EF4-FFF2-40B4-BE49-F238E27FC236}">
-                <a16:creationId xmlns:a16="http://schemas.microsoft.com/office/drawing/2014/main" id="{123ABD50-15FF-A2CD-A407-C43EFB5261C0}"/>
+                <a16:creationId xmlns:a16="http://schemas.microsoft.com/office/drawing/2014/main" id="{80307425-D02D-716E-4BDD-18A5234C6983}"/>
               </a:ext>
             </a:extLst>
           </p:cNvPr>
@@ -504,7 +504,7 @@
           <a:bodyPr/>
           <a:lstStyle/>
           <a:p>
-            <a:fld id="{E0A65661-2582-4B08-8BAB-2B4E2690E052}" type="slidenum">
+            <a:fld id="{0BFA254C-3964-4C58-A54A-D373F129254E}" type="slidenum">
               <a:rPr lang="zh-CN" altLang="en-US" smtClean="0"/>
               <a:t>‹#›</a:t>
             </a:fld>
@@ -515,7 +515,7 @@
     </p:spTree>
     <p:extLst>
       <p:ext uri="{BB962C8B-B14F-4D97-AF65-F5344CB8AC3E}">
-        <p14:creationId xmlns:p14="http://schemas.microsoft.com/office/powerpoint/2010/main" val="3594956896"/>
+        <p14:creationId xmlns:p14="http://schemas.microsoft.com/office/powerpoint/2010/main" val="1414076444"/>
       </p:ext>
     </p:extLst>
   </p:cSld>
@@ -547,7 +547,7 @@
           <p:cNvPr id="2" name="竖排标题 1">
             <a:extLst>
               <a:ext uri="{FF2B5EF4-FFF2-40B4-BE49-F238E27FC236}">
-                <a16:creationId xmlns:a16="http://schemas.microsoft.com/office/drawing/2014/main" id="{EB329552-7AA9-18C9-A4F5-54B8A22AD8E0}"/>
+                <a16:creationId xmlns:a16="http://schemas.microsoft.com/office/drawing/2014/main" id="{A8D4511E-7CB6-4918-997A-A47CF747AF00}"/>
               </a:ext>
             </a:extLst>
           </p:cNvPr>
@@ -580,7 +580,7 @@
           <p:cNvPr id="3" name="竖排文字占位符 2">
             <a:extLst>
               <a:ext uri="{FF2B5EF4-FFF2-40B4-BE49-F238E27FC236}">
-                <a16:creationId xmlns:a16="http://schemas.microsoft.com/office/drawing/2014/main" id="{5CDE761F-F3BF-018C-32FA-34B81DBD95B1}"/>
+                <a16:creationId xmlns:a16="http://schemas.microsoft.com/office/drawing/2014/main" id="{4B320F82-C7DF-4EAF-0126-5C79DFB9BFAF}"/>
               </a:ext>
             </a:extLst>
           </p:cNvPr>
@@ -642,7 +642,7 @@
           <p:cNvPr id="4" name="日期占位符 3">
             <a:extLst>
               <a:ext uri="{FF2B5EF4-FFF2-40B4-BE49-F238E27FC236}">
-                <a16:creationId xmlns:a16="http://schemas.microsoft.com/office/drawing/2014/main" id="{1948F20A-F612-E804-4766-1D0C1271D27F}"/>
+                <a16:creationId xmlns:a16="http://schemas.microsoft.com/office/drawing/2014/main" id="{BDF7873B-71BD-1710-1327-F458530261AA}"/>
               </a:ext>
             </a:extLst>
           </p:cNvPr>
@@ -658,7 +658,7 @@
           <a:bodyPr/>
           <a:lstStyle/>
           <a:p>
-            <a:fld id="{BB680713-C345-42BD-81C3-4A1346BDD966}" type="datetimeFigureOut">
+            <a:fld id="{8D807C3C-0532-4F49-8028-9234D731D70F}" type="datetimeFigureOut">
               <a:rPr lang="zh-CN" altLang="en-US" smtClean="0"/>
               <a:t>2024/3/10</a:t>
             </a:fld>
@@ -671,7 +671,7 @@
           <p:cNvPr id="5" name="页脚占位符 4">
             <a:extLst>
               <a:ext uri="{FF2B5EF4-FFF2-40B4-BE49-F238E27FC236}">
-                <a16:creationId xmlns:a16="http://schemas.microsoft.com/office/drawing/2014/main" id="{BF2D29FB-D451-64D7-BD7E-F507F921AA90}"/>
+                <a16:creationId xmlns:a16="http://schemas.microsoft.com/office/drawing/2014/main" id="{7B146F55-A67D-1E96-E176-07BFF32CB9A9}"/>
               </a:ext>
             </a:extLst>
           </p:cNvPr>
@@ -696,7 +696,7 @@
           <p:cNvPr id="6" name="灯片编号占位符 5">
             <a:extLst>
               <a:ext uri="{FF2B5EF4-FFF2-40B4-BE49-F238E27FC236}">
-                <a16:creationId xmlns:a16="http://schemas.microsoft.com/office/drawing/2014/main" id="{E7DC9544-BAFD-BF7C-218C-F61A79415558}"/>
+                <a16:creationId xmlns:a16="http://schemas.microsoft.com/office/drawing/2014/main" id="{D87EDFD2-3A18-184A-B122-FD64095DE1E0}"/>
               </a:ext>
             </a:extLst>
           </p:cNvPr>
@@ -712,7 +712,7 @@
           <a:bodyPr/>
           <a:lstStyle/>
           <a:p>
-            <a:fld id="{E0A65661-2582-4B08-8BAB-2B4E2690E052}" type="slidenum">
+            <a:fld id="{0BFA254C-3964-4C58-A54A-D373F129254E}" type="slidenum">
               <a:rPr lang="zh-CN" altLang="en-US" smtClean="0"/>
               <a:t>‹#›</a:t>
             </a:fld>
@@ -723,7 +723,7 @@
     </p:spTree>
     <p:extLst>
       <p:ext uri="{BB962C8B-B14F-4D97-AF65-F5344CB8AC3E}">
-        <p14:creationId xmlns:p14="http://schemas.microsoft.com/office/powerpoint/2010/main" val="653990932"/>
+        <p14:creationId xmlns:p14="http://schemas.microsoft.com/office/powerpoint/2010/main" val="1647880491"/>
       </p:ext>
     </p:extLst>
   </p:cSld>
@@ -755,7 +755,7 @@
           <p:cNvPr id="2" name="标题 1">
             <a:extLst>
               <a:ext uri="{FF2B5EF4-FFF2-40B4-BE49-F238E27FC236}">
-                <a16:creationId xmlns:a16="http://schemas.microsoft.com/office/drawing/2014/main" id="{4634A8BB-6053-285C-635D-B8935E47382E}"/>
+                <a16:creationId xmlns:a16="http://schemas.microsoft.com/office/drawing/2014/main" id="{55CD8FAD-4B90-D39E-AB28-22599300A73C}"/>
               </a:ext>
             </a:extLst>
           </p:cNvPr>
@@ -783,7 +783,7 @@
           <p:cNvPr id="3" name="内容占位符 2">
             <a:extLst>
               <a:ext uri="{FF2B5EF4-FFF2-40B4-BE49-F238E27FC236}">
-                <a16:creationId xmlns:a16="http://schemas.microsoft.com/office/drawing/2014/main" id="{6B5A77BC-46B1-61DC-5562-0EB4BD59C44C}"/>
+                <a16:creationId xmlns:a16="http://schemas.microsoft.com/office/drawing/2014/main" id="{F6EC5824-9EE2-165C-5825-17E0C7503F44}"/>
               </a:ext>
             </a:extLst>
           </p:cNvPr>
@@ -840,7 +840,7 @@
           <p:cNvPr id="4" name="日期占位符 3">
             <a:extLst>
               <a:ext uri="{FF2B5EF4-FFF2-40B4-BE49-F238E27FC236}">
-                <a16:creationId xmlns:a16="http://schemas.microsoft.com/office/drawing/2014/main" id="{8A5C4DDE-2851-F948-09A5-2B6096F037C3}"/>
+                <a16:creationId xmlns:a16="http://schemas.microsoft.com/office/drawing/2014/main" id="{E2AB5797-8638-77B3-5845-440108091265}"/>
               </a:ext>
             </a:extLst>
           </p:cNvPr>
@@ -856,7 +856,7 @@
           <a:bodyPr/>
           <a:lstStyle/>
           <a:p>
-            <a:fld id="{BB680713-C345-42BD-81C3-4A1346BDD966}" type="datetimeFigureOut">
+            <a:fld id="{8D807C3C-0532-4F49-8028-9234D731D70F}" type="datetimeFigureOut">
               <a:rPr lang="zh-CN" altLang="en-US" smtClean="0"/>
               <a:t>2024/3/10</a:t>
             </a:fld>
@@ -869,7 +869,7 @@
           <p:cNvPr id="5" name="页脚占位符 4">
             <a:extLst>
               <a:ext uri="{FF2B5EF4-FFF2-40B4-BE49-F238E27FC236}">
-                <a16:creationId xmlns:a16="http://schemas.microsoft.com/office/drawing/2014/main" id="{E5422E6E-514C-B904-6EDA-DC2E7489B127}"/>
+                <a16:creationId xmlns:a16="http://schemas.microsoft.com/office/drawing/2014/main" id="{C8BD5753-6FC2-626D-A452-5787BB5F6092}"/>
               </a:ext>
             </a:extLst>
           </p:cNvPr>
@@ -894,7 +894,7 @@
           <p:cNvPr id="6" name="灯片编号占位符 5">
             <a:extLst>
               <a:ext uri="{FF2B5EF4-FFF2-40B4-BE49-F238E27FC236}">
-                <a16:creationId xmlns:a16="http://schemas.microsoft.com/office/drawing/2014/main" id="{233944A4-0684-50E3-3E11-17DB3DA34267}"/>
+                <a16:creationId xmlns:a16="http://schemas.microsoft.com/office/drawing/2014/main" id="{D8A1294A-5B0A-026C-056A-B9097E6D5D6E}"/>
               </a:ext>
             </a:extLst>
           </p:cNvPr>
@@ -910,7 +910,7 @@
           <a:bodyPr/>
           <a:lstStyle/>
           <a:p>
-            <a:fld id="{E0A65661-2582-4B08-8BAB-2B4E2690E052}" type="slidenum">
+            <a:fld id="{0BFA254C-3964-4C58-A54A-D373F129254E}" type="slidenum">
               <a:rPr lang="zh-CN" altLang="en-US" smtClean="0"/>
               <a:t>‹#›</a:t>
             </a:fld>
@@ -921,7 +921,7 @@
     </p:spTree>
     <p:extLst>
       <p:ext uri="{BB962C8B-B14F-4D97-AF65-F5344CB8AC3E}">
-        <p14:creationId xmlns:p14="http://schemas.microsoft.com/office/powerpoint/2010/main" val="2842439310"/>
+        <p14:creationId xmlns:p14="http://schemas.microsoft.com/office/powerpoint/2010/main" val="4060360298"/>
       </p:ext>
     </p:extLst>
   </p:cSld>
@@ -953,7 +953,7 @@
           <p:cNvPr id="2" name="标题 1">
             <a:extLst>
               <a:ext uri="{FF2B5EF4-FFF2-40B4-BE49-F238E27FC236}">
-                <a16:creationId xmlns:a16="http://schemas.microsoft.com/office/drawing/2014/main" id="{1145C26D-D7CF-4D0B-5692-AB2097E846C0}"/>
+                <a16:creationId xmlns:a16="http://schemas.microsoft.com/office/drawing/2014/main" id="{D0A22B3B-310E-EA04-AC0C-226EC8EEC0EC}"/>
               </a:ext>
             </a:extLst>
           </p:cNvPr>
@@ -990,7 +990,7 @@
           <p:cNvPr id="3" name="文本占位符 2">
             <a:extLst>
               <a:ext uri="{FF2B5EF4-FFF2-40B4-BE49-F238E27FC236}">
-                <a16:creationId xmlns:a16="http://schemas.microsoft.com/office/drawing/2014/main" id="{09400176-79FA-7249-2B31-35726FBDB80B}"/>
+                <a16:creationId xmlns:a16="http://schemas.microsoft.com/office/drawing/2014/main" id="{296645A1-B0FB-1976-4301-D25416D23B44}"/>
               </a:ext>
             </a:extLst>
           </p:cNvPr>
@@ -1115,7 +1115,7 @@
           <p:cNvPr id="4" name="日期占位符 3">
             <a:extLst>
               <a:ext uri="{FF2B5EF4-FFF2-40B4-BE49-F238E27FC236}">
-                <a16:creationId xmlns:a16="http://schemas.microsoft.com/office/drawing/2014/main" id="{D571AF6E-E613-54A5-4F11-8E8019A4C04A}"/>
+                <a16:creationId xmlns:a16="http://schemas.microsoft.com/office/drawing/2014/main" id="{1B9BAA8F-B278-6250-9F42-A51E97CB9DC7}"/>
               </a:ext>
             </a:extLst>
           </p:cNvPr>
@@ -1131,7 +1131,7 @@
           <a:bodyPr/>
           <a:lstStyle/>
           <a:p>
-            <a:fld id="{BB680713-C345-42BD-81C3-4A1346BDD966}" type="datetimeFigureOut">
+            <a:fld id="{8D807C3C-0532-4F49-8028-9234D731D70F}" type="datetimeFigureOut">
               <a:rPr lang="zh-CN" altLang="en-US" smtClean="0"/>
               <a:t>2024/3/10</a:t>
             </a:fld>
@@ -1144,7 +1144,7 @@
           <p:cNvPr id="5" name="页脚占位符 4">
             <a:extLst>
               <a:ext uri="{FF2B5EF4-FFF2-40B4-BE49-F238E27FC236}">
-                <a16:creationId xmlns:a16="http://schemas.microsoft.com/office/drawing/2014/main" id="{37C7DA6B-A3CD-9DA4-805C-A6443E0DB6DA}"/>
+                <a16:creationId xmlns:a16="http://schemas.microsoft.com/office/drawing/2014/main" id="{1DE8B022-CE61-5B06-5CE5-38098FFD5CB4}"/>
               </a:ext>
             </a:extLst>
           </p:cNvPr>
@@ -1169,7 +1169,7 @@
           <p:cNvPr id="6" name="灯片编号占位符 5">
             <a:extLst>
               <a:ext uri="{FF2B5EF4-FFF2-40B4-BE49-F238E27FC236}">
-                <a16:creationId xmlns:a16="http://schemas.microsoft.com/office/drawing/2014/main" id="{A6428254-03DD-461B-B256-79C225E8E703}"/>
+                <a16:creationId xmlns:a16="http://schemas.microsoft.com/office/drawing/2014/main" id="{9E094B6D-16CA-FA9B-B2A1-DC139C6E99C3}"/>
               </a:ext>
             </a:extLst>
           </p:cNvPr>
@@ -1185,7 +1185,7 @@
           <a:bodyPr/>
           <a:lstStyle/>
           <a:p>
-            <a:fld id="{E0A65661-2582-4B08-8BAB-2B4E2690E052}" type="slidenum">
+            <a:fld id="{0BFA254C-3964-4C58-A54A-D373F129254E}" type="slidenum">
               <a:rPr lang="zh-CN" altLang="en-US" smtClean="0"/>
               <a:t>‹#›</a:t>
             </a:fld>
@@ -1196,7 +1196,7 @@
     </p:spTree>
     <p:extLst>
       <p:ext uri="{BB962C8B-B14F-4D97-AF65-F5344CB8AC3E}">
-        <p14:creationId xmlns:p14="http://schemas.microsoft.com/office/powerpoint/2010/main" val="3413765874"/>
+        <p14:creationId xmlns:p14="http://schemas.microsoft.com/office/powerpoint/2010/main" val="2464651231"/>
       </p:ext>
     </p:extLst>
   </p:cSld>
@@ -1228,7 +1228,7 @@
           <p:cNvPr id="2" name="标题 1">
             <a:extLst>
               <a:ext uri="{FF2B5EF4-FFF2-40B4-BE49-F238E27FC236}">
-                <a16:creationId xmlns:a16="http://schemas.microsoft.com/office/drawing/2014/main" id="{6D2D8442-8D7C-B8B1-20FD-7D54942FDA24}"/>
+                <a16:creationId xmlns:a16="http://schemas.microsoft.com/office/drawing/2014/main" id="{828CE382-6EA2-6030-DFA2-052B6DF11023}"/>
               </a:ext>
             </a:extLst>
           </p:cNvPr>
@@ -1256,7 +1256,7 @@
           <p:cNvPr id="3" name="内容占位符 2">
             <a:extLst>
               <a:ext uri="{FF2B5EF4-FFF2-40B4-BE49-F238E27FC236}">
-                <a16:creationId xmlns:a16="http://schemas.microsoft.com/office/drawing/2014/main" id="{9EA90449-EC45-CE2B-2492-25BA78E00B76}"/>
+                <a16:creationId xmlns:a16="http://schemas.microsoft.com/office/drawing/2014/main" id="{BFD15148-599C-A722-ABA2-57AB96FE07BE}"/>
               </a:ext>
             </a:extLst>
           </p:cNvPr>
@@ -1318,7 +1318,7 @@
           <p:cNvPr id="4" name="内容占位符 3">
             <a:extLst>
               <a:ext uri="{FF2B5EF4-FFF2-40B4-BE49-F238E27FC236}">
-                <a16:creationId xmlns:a16="http://schemas.microsoft.com/office/drawing/2014/main" id="{FFD353B3-C1FC-4BD6-35AA-E5CD367CFB6E}"/>
+                <a16:creationId xmlns:a16="http://schemas.microsoft.com/office/drawing/2014/main" id="{69F19895-2966-CBCC-0DA5-D4FF50115D08}"/>
               </a:ext>
             </a:extLst>
           </p:cNvPr>
@@ -1380,7 +1380,7 @@
           <p:cNvPr id="5" name="日期占位符 4">
             <a:extLst>
               <a:ext uri="{FF2B5EF4-FFF2-40B4-BE49-F238E27FC236}">
-                <a16:creationId xmlns:a16="http://schemas.microsoft.com/office/drawing/2014/main" id="{BE013ECB-CF82-4EE6-F8F2-2634768A364B}"/>
+                <a16:creationId xmlns:a16="http://schemas.microsoft.com/office/drawing/2014/main" id="{C048340A-517B-644C-7DD8-62E1B1220BE4}"/>
               </a:ext>
             </a:extLst>
           </p:cNvPr>
@@ -1396,7 +1396,7 @@
           <a:bodyPr/>
           <a:lstStyle/>
           <a:p>
-            <a:fld id="{BB680713-C345-42BD-81C3-4A1346BDD966}" type="datetimeFigureOut">
+            <a:fld id="{8D807C3C-0532-4F49-8028-9234D731D70F}" type="datetimeFigureOut">
               <a:rPr lang="zh-CN" altLang="en-US" smtClean="0"/>
               <a:t>2024/3/10</a:t>
             </a:fld>
@@ -1409,7 +1409,7 @@
           <p:cNvPr id="6" name="页脚占位符 5">
             <a:extLst>
               <a:ext uri="{FF2B5EF4-FFF2-40B4-BE49-F238E27FC236}">
-                <a16:creationId xmlns:a16="http://schemas.microsoft.com/office/drawing/2014/main" id="{0E7D8A84-138A-5ABB-7B92-D729CCCFF7F8}"/>
+                <a16:creationId xmlns:a16="http://schemas.microsoft.com/office/drawing/2014/main" id="{5F977EFA-0315-6CCF-231B-25C37CF63438}"/>
               </a:ext>
             </a:extLst>
           </p:cNvPr>
@@ -1434,7 +1434,7 @@
           <p:cNvPr id="7" name="灯片编号占位符 6">
             <a:extLst>
               <a:ext uri="{FF2B5EF4-FFF2-40B4-BE49-F238E27FC236}">
-                <a16:creationId xmlns:a16="http://schemas.microsoft.com/office/drawing/2014/main" id="{0288BB69-5603-4AB6-EF62-A6891B72778F}"/>
+                <a16:creationId xmlns:a16="http://schemas.microsoft.com/office/drawing/2014/main" id="{24E6E06B-628B-5317-1FB4-BF644DE5AB31}"/>
               </a:ext>
             </a:extLst>
           </p:cNvPr>
@@ -1450,7 +1450,7 @@
           <a:bodyPr/>
           <a:lstStyle/>
           <a:p>
-            <a:fld id="{E0A65661-2582-4B08-8BAB-2B4E2690E052}" type="slidenum">
+            <a:fld id="{0BFA254C-3964-4C58-A54A-D373F129254E}" type="slidenum">
               <a:rPr lang="zh-CN" altLang="en-US" smtClean="0"/>
               <a:t>‹#›</a:t>
             </a:fld>
@@ -1461,7 +1461,7 @@
     </p:spTree>
     <p:extLst>
       <p:ext uri="{BB962C8B-B14F-4D97-AF65-F5344CB8AC3E}">
-        <p14:creationId xmlns:p14="http://schemas.microsoft.com/office/powerpoint/2010/main" val="1352097764"/>
+        <p14:creationId xmlns:p14="http://schemas.microsoft.com/office/powerpoint/2010/main" val="3637766911"/>
       </p:ext>
     </p:extLst>
   </p:cSld>
@@ -1493,7 +1493,7 @@
           <p:cNvPr id="2" name="标题 1">
             <a:extLst>
               <a:ext uri="{FF2B5EF4-FFF2-40B4-BE49-F238E27FC236}">
-                <a16:creationId xmlns:a16="http://schemas.microsoft.com/office/drawing/2014/main" id="{34ADD8AF-16BE-75E2-7371-08CB7F78B7DA}"/>
+                <a16:creationId xmlns:a16="http://schemas.microsoft.com/office/drawing/2014/main" id="{C54E497F-6F49-2DA7-B1A8-9E257A856FF9}"/>
               </a:ext>
             </a:extLst>
           </p:cNvPr>
@@ -1526,7 +1526,7 @@
           <p:cNvPr id="3" name="文本占位符 2">
             <a:extLst>
               <a:ext uri="{FF2B5EF4-FFF2-40B4-BE49-F238E27FC236}">
-                <a16:creationId xmlns:a16="http://schemas.microsoft.com/office/drawing/2014/main" id="{A02AA427-BAB8-7940-7B9B-27B9D35A3A58}"/>
+                <a16:creationId xmlns:a16="http://schemas.microsoft.com/office/drawing/2014/main" id="{75DE4247-C1FB-770A-6C93-ECEE178905F8}"/>
               </a:ext>
             </a:extLst>
           </p:cNvPr>
@@ -1597,7 +1597,7 @@
           <p:cNvPr id="4" name="内容占位符 3">
             <a:extLst>
               <a:ext uri="{FF2B5EF4-FFF2-40B4-BE49-F238E27FC236}">
-                <a16:creationId xmlns:a16="http://schemas.microsoft.com/office/drawing/2014/main" id="{20CECF0F-3F15-57F5-55F3-6B5632700373}"/>
+                <a16:creationId xmlns:a16="http://schemas.microsoft.com/office/drawing/2014/main" id="{429E7EFF-EE54-D851-1C90-852503A8D96D}"/>
               </a:ext>
             </a:extLst>
           </p:cNvPr>
@@ -1659,7 +1659,7 @@
           <p:cNvPr id="5" name="文本占位符 4">
             <a:extLst>
               <a:ext uri="{FF2B5EF4-FFF2-40B4-BE49-F238E27FC236}">
-                <a16:creationId xmlns:a16="http://schemas.microsoft.com/office/drawing/2014/main" id="{D8E8A7BE-A06B-8D23-4FC3-818567A7E235}"/>
+                <a16:creationId xmlns:a16="http://schemas.microsoft.com/office/drawing/2014/main" id="{48206E71-5E9B-75A1-D49B-084F852F660B}"/>
               </a:ext>
             </a:extLst>
           </p:cNvPr>
@@ -1730,7 +1730,7 @@
           <p:cNvPr id="6" name="内容占位符 5">
             <a:extLst>
               <a:ext uri="{FF2B5EF4-FFF2-40B4-BE49-F238E27FC236}">
-                <a16:creationId xmlns:a16="http://schemas.microsoft.com/office/drawing/2014/main" id="{26E5BABD-AEDA-BD9E-E635-E2CFD9CBEDD7}"/>
+                <a16:creationId xmlns:a16="http://schemas.microsoft.com/office/drawing/2014/main" id="{60D7902B-ECCE-BEC5-EC93-AB1D5A266984}"/>
               </a:ext>
             </a:extLst>
           </p:cNvPr>
@@ -1792,7 +1792,7 @@
           <p:cNvPr id="7" name="日期占位符 6">
             <a:extLst>
               <a:ext uri="{FF2B5EF4-FFF2-40B4-BE49-F238E27FC236}">
-                <a16:creationId xmlns:a16="http://schemas.microsoft.com/office/drawing/2014/main" id="{D5CF04B7-5F83-B95C-9FF5-DA139D0B2C25}"/>
+                <a16:creationId xmlns:a16="http://schemas.microsoft.com/office/drawing/2014/main" id="{AAE3C46F-8026-4E79-64B1-D94F62446DE9}"/>
               </a:ext>
             </a:extLst>
           </p:cNvPr>
@@ -1808,7 +1808,7 @@
           <a:bodyPr/>
           <a:lstStyle/>
           <a:p>
-            <a:fld id="{BB680713-C345-42BD-81C3-4A1346BDD966}" type="datetimeFigureOut">
+            <a:fld id="{8D807C3C-0532-4F49-8028-9234D731D70F}" type="datetimeFigureOut">
               <a:rPr lang="zh-CN" altLang="en-US" smtClean="0"/>
               <a:t>2024/3/10</a:t>
             </a:fld>
@@ -1821,7 +1821,7 @@
           <p:cNvPr id="8" name="页脚占位符 7">
             <a:extLst>
               <a:ext uri="{FF2B5EF4-FFF2-40B4-BE49-F238E27FC236}">
-                <a16:creationId xmlns:a16="http://schemas.microsoft.com/office/drawing/2014/main" id="{2DCB2B2F-849E-2D78-3EBF-4E6DDBEB14AE}"/>
+                <a16:creationId xmlns:a16="http://schemas.microsoft.com/office/drawing/2014/main" id="{DEDCB341-E12F-EBE4-632C-63A9DA32A981}"/>
               </a:ext>
             </a:extLst>
           </p:cNvPr>
@@ -1846,7 +1846,7 @@
           <p:cNvPr id="9" name="灯片编号占位符 8">
             <a:extLst>
               <a:ext uri="{FF2B5EF4-FFF2-40B4-BE49-F238E27FC236}">
-                <a16:creationId xmlns:a16="http://schemas.microsoft.com/office/drawing/2014/main" id="{4CBE86EE-A8DD-50B5-C1EA-92836806576B}"/>
+                <a16:creationId xmlns:a16="http://schemas.microsoft.com/office/drawing/2014/main" id="{EEC944F2-EC17-A956-9E2B-105D2CA03970}"/>
               </a:ext>
             </a:extLst>
           </p:cNvPr>
@@ -1862,7 +1862,7 @@
           <a:bodyPr/>
           <a:lstStyle/>
           <a:p>
-            <a:fld id="{E0A65661-2582-4B08-8BAB-2B4E2690E052}" type="slidenum">
+            <a:fld id="{0BFA254C-3964-4C58-A54A-D373F129254E}" type="slidenum">
               <a:rPr lang="zh-CN" altLang="en-US" smtClean="0"/>
               <a:t>‹#›</a:t>
             </a:fld>
@@ -1873,7 +1873,7 @@
     </p:spTree>
     <p:extLst>
       <p:ext uri="{BB962C8B-B14F-4D97-AF65-F5344CB8AC3E}">
-        <p14:creationId xmlns:p14="http://schemas.microsoft.com/office/powerpoint/2010/main" val="907207545"/>
+        <p14:creationId xmlns:p14="http://schemas.microsoft.com/office/powerpoint/2010/main" val="1530478715"/>
       </p:ext>
     </p:extLst>
   </p:cSld>
@@ -1905,7 +1905,7 @@
           <p:cNvPr id="2" name="标题 1">
             <a:extLst>
               <a:ext uri="{FF2B5EF4-FFF2-40B4-BE49-F238E27FC236}">
-                <a16:creationId xmlns:a16="http://schemas.microsoft.com/office/drawing/2014/main" id="{5A57CAE2-59C5-CB5D-4475-F19963370D12}"/>
+                <a16:creationId xmlns:a16="http://schemas.microsoft.com/office/drawing/2014/main" id="{934E0B6D-1370-5957-46F2-218CEAC3FCFD}"/>
               </a:ext>
             </a:extLst>
           </p:cNvPr>
@@ -1933,7 +1933,7 @@
           <p:cNvPr id="3" name="日期占位符 2">
             <a:extLst>
               <a:ext uri="{FF2B5EF4-FFF2-40B4-BE49-F238E27FC236}">
-                <a16:creationId xmlns:a16="http://schemas.microsoft.com/office/drawing/2014/main" id="{9B9DE031-B1F6-11FA-603D-525E805337B6}"/>
+                <a16:creationId xmlns:a16="http://schemas.microsoft.com/office/drawing/2014/main" id="{6462735C-017C-B158-A803-C4073DDBC8A4}"/>
               </a:ext>
             </a:extLst>
           </p:cNvPr>
@@ -1949,7 +1949,7 @@
           <a:bodyPr/>
           <a:lstStyle/>
           <a:p>
-            <a:fld id="{BB680713-C345-42BD-81C3-4A1346BDD966}" type="datetimeFigureOut">
+            <a:fld id="{8D807C3C-0532-4F49-8028-9234D731D70F}" type="datetimeFigureOut">
               <a:rPr lang="zh-CN" altLang="en-US" smtClean="0"/>
               <a:t>2024/3/10</a:t>
             </a:fld>
@@ -1962,7 +1962,7 @@
           <p:cNvPr id="4" name="页脚占位符 3">
             <a:extLst>
               <a:ext uri="{FF2B5EF4-FFF2-40B4-BE49-F238E27FC236}">
-                <a16:creationId xmlns:a16="http://schemas.microsoft.com/office/drawing/2014/main" id="{48194E77-5BEF-D617-4A6A-BE18C621C481}"/>
+                <a16:creationId xmlns:a16="http://schemas.microsoft.com/office/drawing/2014/main" id="{58C415D7-8DE7-BB6A-B025-7D24BEFD8C1E}"/>
               </a:ext>
             </a:extLst>
           </p:cNvPr>
@@ -1987,7 +1987,7 @@
           <p:cNvPr id="5" name="灯片编号占位符 4">
             <a:extLst>
               <a:ext uri="{FF2B5EF4-FFF2-40B4-BE49-F238E27FC236}">
-                <a16:creationId xmlns:a16="http://schemas.microsoft.com/office/drawing/2014/main" id="{51BA668A-50CA-215A-2698-1AC754D4A7FA}"/>
+                <a16:creationId xmlns:a16="http://schemas.microsoft.com/office/drawing/2014/main" id="{40DA2951-B490-AEB4-4088-64683B5BE99D}"/>
               </a:ext>
             </a:extLst>
           </p:cNvPr>
@@ -2003,7 +2003,7 @@
           <a:bodyPr/>
           <a:lstStyle/>
           <a:p>
-            <a:fld id="{E0A65661-2582-4B08-8BAB-2B4E2690E052}" type="slidenum">
+            <a:fld id="{0BFA254C-3964-4C58-A54A-D373F129254E}" type="slidenum">
               <a:rPr lang="zh-CN" altLang="en-US" smtClean="0"/>
               <a:t>‹#›</a:t>
             </a:fld>
@@ -2014,7 +2014,7 @@
     </p:spTree>
     <p:extLst>
       <p:ext uri="{BB962C8B-B14F-4D97-AF65-F5344CB8AC3E}">
-        <p14:creationId xmlns:p14="http://schemas.microsoft.com/office/powerpoint/2010/main" val="2898316164"/>
+        <p14:creationId xmlns:p14="http://schemas.microsoft.com/office/powerpoint/2010/main" val="2740340299"/>
       </p:ext>
     </p:extLst>
   </p:cSld>
@@ -2046,7 +2046,7 @@
           <p:cNvPr id="2" name="日期占位符 1">
             <a:extLst>
               <a:ext uri="{FF2B5EF4-FFF2-40B4-BE49-F238E27FC236}">
-                <a16:creationId xmlns:a16="http://schemas.microsoft.com/office/drawing/2014/main" id="{2A4EB191-ECFA-8274-8057-A9D0550753BC}"/>
+                <a16:creationId xmlns:a16="http://schemas.microsoft.com/office/drawing/2014/main" id="{F20CFE56-9C7B-670F-6995-7F191FDEFCB9}"/>
               </a:ext>
             </a:extLst>
           </p:cNvPr>
@@ -2062,7 +2062,7 @@
           <a:bodyPr/>
           <a:lstStyle/>
           <a:p>
-            <a:fld id="{BB680713-C345-42BD-81C3-4A1346BDD966}" type="datetimeFigureOut">
+            <a:fld id="{8D807C3C-0532-4F49-8028-9234D731D70F}" type="datetimeFigureOut">
               <a:rPr lang="zh-CN" altLang="en-US" smtClean="0"/>
               <a:t>2024/3/10</a:t>
             </a:fld>
@@ -2075,7 +2075,7 @@
           <p:cNvPr id="3" name="页脚占位符 2">
             <a:extLst>
               <a:ext uri="{FF2B5EF4-FFF2-40B4-BE49-F238E27FC236}">
-                <a16:creationId xmlns:a16="http://schemas.microsoft.com/office/drawing/2014/main" id="{D617CE19-3B7F-9330-5252-47BC51E9A323}"/>
+                <a16:creationId xmlns:a16="http://schemas.microsoft.com/office/drawing/2014/main" id="{F361C814-C136-D579-A1A8-26788E873F41}"/>
               </a:ext>
             </a:extLst>
           </p:cNvPr>
@@ -2100,7 +2100,7 @@
           <p:cNvPr id="4" name="灯片编号占位符 3">
             <a:extLst>
               <a:ext uri="{FF2B5EF4-FFF2-40B4-BE49-F238E27FC236}">
-                <a16:creationId xmlns:a16="http://schemas.microsoft.com/office/drawing/2014/main" id="{DA5B27F2-993E-D5D8-E917-E1C28244A5DC}"/>
+                <a16:creationId xmlns:a16="http://schemas.microsoft.com/office/drawing/2014/main" id="{6748BEE9-52C1-4556-6B43-93A0869EDD07}"/>
               </a:ext>
             </a:extLst>
           </p:cNvPr>
@@ -2116,7 +2116,7 @@
           <a:bodyPr/>
           <a:lstStyle/>
           <a:p>
-            <a:fld id="{E0A65661-2582-4B08-8BAB-2B4E2690E052}" type="slidenum">
+            <a:fld id="{0BFA254C-3964-4C58-A54A-D373F129254E}" type="slidenum">
               <a:rPr lang="zh-CN" altLang="en-US" smtClean="0"/>
               <a:t>‹#›</a:t>
             </a:fld>
@@ -2127,7 +2127,7 @@
     </p:spTree>
     <p:extLst>
       <p:ext uri="{BB962C8B-B14F-4D97-AF65-F5344CB8AC3E}">
-        <p14:creationId xmlns:p14="http://schemas.microsoft.com/office/powerpoint/2010/main" val="2016991772"/>
+        <p14:creationId xmlns:p14="http://schemas.microsoft.com/office/powerpoint/2010/main" val="49483090"/>
       </p:ext>
     </p:extLst>
   </p:cSld>
@@ -2159,7 +2159,7 @@
           <p:cNvPr id="2" name="标题 1">
             <a:extLst>
               <a:ext uri="{FF2B5EF4-FFF2-40B4-BE49-F238E27FC236}">
-                <a16:creationId xmlns:a16="http://schemas.microsoft.com/office/drawing/2014/main" id="{3D1F14B8-6827-1559-944A-60F30EA16F35}"/>
+                <a16:creationId xmlns:a16="http://schemas.microsoft.com/office/drawing/2014/main" id="{C3D83177-362C-37C5-EA74-C5D1F8C55AD1}"/>
               </a:ext>
             </a:extLst>
           </p:cNvPr>
@@ -2196,7 +2196,7 @@
           <p:cNvPr id="3" name="内容占位符 2">
             <a:extLst>
               <a:ext uri="{FF2B5EF4-FFF2-40B4-BE49-F238E27FC236}">
-                <a16:creationId xmlns:a16="http://schemas.microsoft.com/office/drawing/2014/main" id="{ECB1AE76-5C70-3BCF-D222-200547CF1F83}"/>
+                <a16:creationId xmlns:a16="http://schemas.microsoft.com/office/drawing/2014/main" id="{FE3EDFAC-E622-0FC5-ED73-41447EE8CCAD}"/>
               </a:ext>
             </a:extLst>
           </p:cNvPr>
@@ -2286,7 +2286,7 @@
           <p:cNvPr id="4" name="文本占位符 3">
             <a:extLst>
               <a:ext uri="{FF2B5EF4-FFF2-40B4-BE49-F238E27FC236}">
-                <a16:creationId xmlns:a16="http://schemas.microsoft.com/office/drawing/2014/main" id="{037B34F3-3A02-510E-288C-93B7764DAC62}"/>
+                <a16:creationId xmlns:a16="http://schemas.microsoft.com/office/drawing/2014/main" id="{2C237551-AF36-433E-C7EA-CC53206567A9}"/>
               </a:ext>
             </a:extLst>
           </p:cNvPr>
@@ -2357,7 +2357,7 @@
           <p:cNvPr id="5" name="日期占位符 4">
             <a:extLst>
               <a:ext uri="{FF2B5EF4-FFF2-40B4-BE49-F238E27FC236}">
-                <a16:creationId xmlns:a16="http://schemas.microsoft.com/office/drawing/2014/main" id="{3F731C44-FFD7-6DCF-4C5A-086C8E9DC691}"/>
+                <a16:creationId xmlns:a16="http://schemas.microsoft.com/office/drawing/2014/main" id="{0D18027A-CB7C-EB0B-65B4-4D994B17FFF9}"/>
               </a:ext>
             </a:extLst>
           </p:cNvPr>
@@ -2373,7 +2373,7 @@
           <a:bodyPr/>
           <a:lstStyle/>
           <a:p>
-            <a:fld id="{BB680713-C345-42BD-81C3-4A1346BDD966}" type="datetimeFigureOut">
+            <a:fld id="{8D807C3C-0532-4F49-8028-9234D731D70F}" type="datetimeFigureOut">
               <a:rPr lang="zh-CN" altLang="en-US" smtClean="0"/>
               <a:t>2024/3/10</a:t>
             </a:fld>
@@ -2386,7 +2386,7 @@
           <p:cNvPr id="6" name="页脚占位符 5">
             <a:extLst>
               <a:ext uri="{FF2B5EF4-FFF2-40B4-BE49-F238E27FC236}">
-                <a16:creationId xmlns:a16="http://schemas.microsoft.com/office/drawing/2014/main" id="{BF54DFD7-7D95-BB16-8786-4AE2F3C0BFBE}"/>
+                <a16:creationId xmlns:a16="http://schemas.microsoft.com/office/drawing/2014/main" id="{E65835DA-A3C5-CF26-FD6C-DC99FD079A58}"/>
               </a:ext>
             </a:extLst>
           </p:cNvPr>
@@ -2411,7 +2411,7 @@
           <p:cNvPr id="7" name="灯片编号占位符 6">
             <a:extLst>
               <a:ext uri="{FF2B5EF4-FFF2-40B4-BE49-F238E27FC236}">
-                <a16:creationId xmlns:a16="http://schemas.microsoft.com/office/drawing/2014/main" id="{A7241F63-8DDC-ABCE-24D6-24A197671263}"/>
+                <a16:creationId xmlns:a16="http://schemas.microsoft.com/office/drawing/2014/main" id="{7761ACE8-EEF4-0FAE-D581-41A9C84961E7}"/>
               </a:ext>
             </a:extLst>
           </p:cNvPr>
@@ -2427,7 +2427,7 @@
           <a:bodyPr/>
           <a:lstStyle/>
           <a:p>
-            <a:fld id="{E0A65661-2582-4B08-8BAB-2B4E2690E052}" type="slidenum">
+            <a:fld id="{0BFA254C-3964-4C58-A54A-D373F129254E}" type="slidenum">
               <a:rPr lang="zh-CN" altLang="en-US" smtClean="0"/>
               <a:t>‹#›</a:t>
             </a:fld>
@@ -2438,7 +2438,7 @@
     </p:spTree>
     <p:extLst>
       <p:ext uri="{BB962C8B-B14F-4D97-AF65-F5344CB8AC3E}">
-        <p14:creationId xmlns:p14="http://schemas.microsoft.com/office/powerpoint/2010/main" val="2609388150"/>
+        <p14:creationId xmlns:p14="http://schemas.microsoft.com/office/powerpoint/2010/main" val="1958728246"/>
       </p:ext>
     </p:extLst>
   </p:cSld>
@@ -2470,7 +2470,7 @@
           <p:cNvPr id="2" name="标题 1">
             <a:extLst>
               <a:ext uri="{FF2B5EF4-FFF2-40B4-BE49-F238E27FC236}">
-                <a16:creationId xmlns:a16="http://schemas.microsoft.com/office/drawing/2014/main" id="{53C750DC-3160-2748-3936-D4D21EEC18E2}"/>
+                <a16:creationId xmlns:a16="http://schemas.microsoft.com/office/drawing/2014/main" id="{CA3431DD-1B62-5BA6-D782-C2ABD470C6B6}"/>
               </a:ext>
             </a:extLst>
           </p:cNvPr>
@@ -2507,7 +2507,7 @@
           <p:cNvPr id="3" name="图片占位符 2">
             <a:extLst>
               <a:ext uri="{FF2B5EF4-FFF2-40B4-BE49-F238E27FC236}">
-                <a16:creationId xmlns:a16="http://schemas.microsoft.com/office/drawing/2014/main" id="{1A8D5600-0A2F-CA95-5FB0-B538DF9D5227}"/>
+                <a16:creationId xmlns:a16="http://schemas.microsoft.com/office/drawing/2014/main" id="{0DF8305B-BF86-D4AD-FEFF-F8ED9DBC0436}"/>
               </a:ext>
             </a:extLst>
           </p:cNvPr>
@@ -2574,7 +2574,7 @@
           <p:cNvPr id="4" name="文本占位符 3">
             <a:extLst>
               <a:ext uri="{FF2B5EF4-FFF2-40B4-BE49-F238E27FC236}">
-                <a16:creationId xmlns:a16="http://schemas.microsoft.com/office/drawing/2014/main" id="{B2756B00-DD84-5CB4-23EC-4715B7595821}"/>
+                <a16:creationId xmlns:a16="http://schemas.microsoft.com/office/drawing/2014/main" id="{F57C8611-EEE4-CB66-0D7B-95B5373BCA5F}"/>
               </a:ext>
             </a:extLst>
           </p:cNvPr>
@@ -2645,7 +2645,7 @@
           <p:cNvPr id="5" name="日期占位符 4">
             <a:extLst>
               <a:ext uri="{FF2B5EF4-FFF2-40B4-BE49-F238E27FC236}">
-                <a16:creationId xmlns:a16="http://schemas.microsoft.com/office/drawing/2014/main" id="{AB5493B6-BF53-20E5-EC0B-4DF298C46048}"/>
+                <a16:creationId xmlns:a16="http://schemas.microsoft.com/office/drawing/2014/main" id="{FF73EE95-147C-7C8F-570C-E2D9A49CE3AC}"/>
               </a:ext>
             </a:extLst>
           </p:cNvPr>
@@ -2661,7 +2661,7 @@
           <a:bodyPr/>
           <a:lstStyle/>
           <a:p>
-            <a:fld id="{BB680713-C345-42BD-81C3-4A1346BDD966}" type="datetimeFigureOut">
+            <a:fld id="{8D807C3C-0532-4F49-8028-9234D731D70F}" type="datetimeFigureOut">
               <a:rPr lang="zh-CN" altLang="en-US" smtClean="0"/>
               <a:t>2024/3/10</a:t>
             </a:fld>
@@ -2674,7 +2674,7 @@
           <p:cNvPr id="6" name="页脚占位符 5">
             <a:extLst>
               <a:ext uri="{FF2B5EF4-FFF2-40B4-BE49-F238E27FC236}">
-                <a16:creationId xmlns:a16="http://schemas.microsoft.com/office/drawing/2014/main" id="{DA87CCDD-45E9-532B-A639-A9607FF945D2}"/>
+                <a16:creationId xmlns:a16="http://schemas.microsoft.com/office/drawing/2014/main" id="{73AE812C-AA60-E4DB-E0EF-2CABE69811B6}"/>
               </a:ext>
             </a:extLst>
           </p:cNvPr>
@@ -2699,7 +2699,7 @@
           <p:cNvPr id="7" name="灯片编号占位符 6">
             <a:extLst>
               <a:ext uri="{FF2B5EF4-FFF2-40B4-BE49-F238E27FC236}">
-                <a16:creationId xmlns:a16="http://schemas.microsoft.com/office/drawing/2014/main" id="{1C70802D-9940-FBE3-7E94-68139CF7E2E3}"/>
+                <a16:creationId xmlns:a16="http://schemas.microsoft.com/office/drawing/2014/main" id="{9DDBFC68-B2C5-BA09-D9C4-9F324EB77262}"/>
               </a:ext>
             </a:extLst>
           </p:cNvPr>
@@ -2715,7 +2715,7 @@
           <a:bodyPr/>
           <a:lstStyle/>
           <a:p>
-            <a:fld id="{E0A65661-2582-4B08-8BAB-2B4E2690E052}" type="slidenum">
+            <a:fld id="{0BFA254C-3964-4C58-A54A-D373F129254E}" type="slidenum">
               <a:rPr lang="zh-CN" altLang="en-US" smtClean="0"/>
               <a:t>‹#›</a:t>
             </a:fld>
@@ -2726,7 +2726,7 @@
     </p:spTree>
     <p:extLst>
       <p:ext uri="{BB962C8B-B14F-4D97-AF65-F5344CB8AC3E}">
-        <p14:creationId xmlns:p14="http://schemas.microsoft.com/office/powerpoint/2010/main" val="2077691735"/>
+        <p14:creationId xmlns:p14="http://schemas.microsoft.com/office/powerpoint/2010/main" val="1671173260"/>
       </p:ext>
     </p:extLst>
   </p:cSld>
@@ -2763,7 +2763,7 @@
           <p:cNvPr id="2" name="标题占位符 1">
             <a:extLst>
               <a:ext uri="{FF2B5EF4-FFF2-40B4-BE49-F238E27FC236}">
-                <a16:creationId xmlns:a16="http://schemas.microsoft.com/office/drawing/2014/main" id="{B426F2F2-21A1-2F11-08ED-F0AC802ADBFF}"/>
+                <a16:creationId xmlns:a16="http://schemas.microsoft.com/office/drawing/2014/main" id="{D75B9C3C-65BD-6CFB-37AD-418E5CAB7013}"/>
               </a:ext>
             </a:extLst>
           </p:cNvPr>
@@ -2801,7 +2801,7 @@
           <p:cNvPr id="3" name="文本占位符 2">
             <a:extLst>
               <a:ext uri="{FF2B5EF4-FFF2-40B4-BE49-F238E27FC236}">
-                <a16:creationId xmlns:a16="http://schemas.microsoft.com/office/drawing/2014/main" id="{80AB2F3F-7D54-4D1D-3A51-7795F08B5115}"/>
+                <a16:creationId xmlns:a16="http://schemas.microsoft.com/office/drawing/2014/main" id="{5008B736-1313-8B0B-590D-88B9EB88730E}"/>
               </a:ext>
             </a:extLst>
           </p:cNvPr>
@@ -2868,7 +2868,7 @@
           <p:cNvPr id="4" name="日期占位符 3">
             <a:extLst>
               <a:ext uri="{FF2B5EF4-FFF2-40B4-BE49-F238E27FC236}">
-                <a16:creationId xmlns:a16="http://schemas.microsoft.com/office/drawing/2014/main" id="{87E16ADE-C011-CC0B-4A7B-B59D4FD1F585}"/>
+                <a16:creationId xmlns:a16="http://schemas.microsoft.com/office/drawing/2014/main" id="{A6B45E82-CA4F-E241-BB00-08AD945616FF}"/>
               </a:ext>
             </a:extLst>
           </p:cNvPr>
@@ -2902,7 +2902,7 @@
             </a:lvl1pPr>
           </a:lstStyle>
           <a:p>
-            <a:fld id="{BB680713-C345-42BD-81C3-4A1346BDD966}" type="datetimeFigureOut">
+            <a:fld id="{8D807C3C-0532-4F49-8028-9234D731D70F}" type="datetimeFigureOut">
               <a:rPr lang="zh-CN" altLang="en-US" smtClean="0"/>
               <a:t>2024/3/10</a:t>
             </a:fld>
@@ -2915,7 +2915,7 @@
           <p:cNvPr id="5" name="页脚占位符 4">
             <a:extLst>
               <a:ext uri="{FF2B5EF4-FFF2-40B4-BE49-F238E27FC236}">
-                <a16:creationId xmlns:a16="http://schemas.microsoft.com/office/drawing/2014/main" id="{046CAC71-4987-018B-A69D-7FB0A4E28D00}"/>
+                <a16:creationId xmlns:a16="http://schemas.microsoft.com/office/drawing/2014/main" id="{4ADA562E-B182-087C-D0A2-BA616FE31377}"/>
               </a:ext>
             </a:extLst>
           </p:cNvPr>
@@ -2958,7 +2958,7 @@
           <p:cNvPr id="6" name="灯片编号占位符 5">
             <a:extLst>
               <a:ext uri="{FF2B5EF4-FFF2-40B4-BE49-F238E27FC236}">
-                <a16:creationId xmlns:a16="http://schemas.microsoft.com/office/drawing/2014/main" id="{7852CF8B-C5B5-D4E9-B5C4-535DD29FF3D4}"/>
+                <a16:creationId xmlns:a16="http://schemas.microsoft.com/office/drawing/2014/main" id="{781E3396-A59B-B3C4-0138-2E2095D278AC}"/>
               </a:ext>
             </a:extLst>
           </p:cNvPr>
@@ -2992,7 +2992,7 @@
             </a:lvl1pPr>
           </a:lstStyle>
           <a:p>
-            <a:fld id="{E0A65661-2582-4B08-8BAB-2B4E2690E052}" type="slidenum">
+            <a:fld id="{0BFA254C-3964-4C58-A54A-D373F129254E}" type="slidenum">
               <a:rPr lang="zh-CN" altLang="en-US" smtClean="0"/>
               <a:t>‹#›</a:t>
             </a:fld>
@@ -3003,7 +3003,7 @@
     </p:spTree>
     <p:extLst>
       <p:ext uri="{BB962C8B-B14F-4D97-AF65-F5344CB8AC3E}">
-        <p14:creationId xmlns:p14="http://schemas.microsoft.com/office/powerpoint/2010/main" val="1360720203"/>
+        <p14:creationId xmlns:p14="http://schemas.microsoft.com/office/powerpoint/2010/main" val="1214472197"/>
       </p:ext>
     </p:extLst>
   </p:cSld>
@@ -3323,7 +3323,7 @@
       </p:grpSpPr>
       <p:pic>
         <p:nvPicPr>
-          <p:cNvPr id="1101826" name="Picture 2" descr="1075"/>
+          <p:cNvPr id="1102850" name="Picture 2" descr="1076"/>
           <p:cNvPicPr>
             <a:picLocks noChangeAspect="1" noChangeArrowheads="1"/>
           </p:cNvPicPr>
@@ -3344,8 +3344,8 @@
         </p:blipFill>
         <p:spPr bwMode="auto">
           <a:xfrm>
-            <a:off x="1524000" y="1"/>
-            <a:ext cx="9124950" cy="6843713"/>
+            <a:off x="1614488" y="0"/>
+            <a:ext cx="9053512" cy="6789738"/>
           </a:xfrm>
           <a:prstGeom prst="rect">
             <a:avLst/>
